--- a/딥러닝을 위한 최적화와 수치해석/발표자료 모음/2022_05_09_13장_언더피팅의_진단과_해결책.pptx
+++ b/딥러닝을 위한 최적화와 수치해석/발표자료 모음/2022_05_09_13장_언더피팅의_진단과_해결책.pptx
@@ -7,11 +7,13 @@
   <p:sldIdLst>
     <p:sldId id="278" r:id="rId2"/>
     <p:sldId id="275" r:id="rId3"/>
-    <p:sldId id="288" r:id="rId4"/>
-    <p:sldId id="289" r:id="rId5"/>
-    <p:sldId id="290" r:id="rId6"/>
-    <p:sldId id="291" r:id="rId7"/>
-    <p:sldId id="292" r:id="rId8"/>
+    <p:sldId id="293" r:id="rId4"/>
+    <p:sldId id="294" r:id="rId5"/>
+    <p:sldId id="288" r:id="rId6"/>
+    <p:sldId id="289" r:id="rId7"/>
+    <p:sldId id="290" r:id="rId8"/>
+    <p:sldId id="291" r:id="rId9"/>
+    <p:sldId id="292" r:id="rId10"/>
   </p:sldIdLst>
   <p:sldSz cx="12192000" cy="6858000"/>
   <p:notesSz cx="6858000" cy="9144000"/>
@@ -276,7 +278,7 @@
           <a:p>
             <a:fld id="{3F8A50C2-589C-42C8-B763-56D87D9D16BD}" type="datetimeFigureOut">
               <a:rPr lang="ko-KR" altLang="en-US" smtClean="0"/>
-              <a:t>2022-05-09</a:t>
+              <a:t>2022-05-16</a:t>
             </a:fld>
             <a:endParaRPr lang="ko-KR" altLang="en-US"/>
           </a:p>
@@ -564,7 +566,7 @@
           <a:p>
             <a:fld id="{3F8A50C2-589C-42C8-B763-56D87D9D16BD}" type="datetimeFigureOut">
               <a:rPr lang="ko-KR" altLang="en-US" smtClean="0"/>
-              <a:t>2022-05-09</a:t>
+              <a:t>2022-05-16</a:t>
             </a:fld>
             <a:endParaRPr lang="ko-KR" altLang="en-US"/>
           </a:p>
@@ -762,7 +764,7 @@
           <a:p>
             <a:fld id="{3F8A50C2-589C-42C8-B763-56D87D9D16BD}" type="datetimeFigureOut">
               <a:rPr lang="ko-KR" altLang="en-US" smtClean="0"/>
-              <a:t>2022-05-09</a:t>
+              <a:t>2022-05-16</a:t>
             </a:fld>
             <a:endParaRPr lang="ko-KR" altLang="en-US"/>
           </a:p>
@@ -970,7 +972,7 @@
           <a:p>
             <a:fld id="{3F8A50C2-589C-42C8-B763-56D87D9D16BD}" type="datetimeFigureOut">
               <a:rPr lang="ko-KR" altLang="en-US" smtClean="0"/>
-              <a:t>2022-05-09</a:t>
+              <a:t>2022-05-16</a:t>
             </a:fld>
             <a:endParaRPr lang="ko-KR" altLang="en-US"/>
           </a:p>
@@ -1168,7 +1170,7 @@
           <a:p>
             <a:fld id="{3F8A50C2-589C-42C8-B763-56D87D9D16BD}" type="datetimeFigureOut">
               <a:rPr lang="ko-KR" altLang="en-US" smtClean="0"/>
-              <a:t>2022-05-09</a:t>
+              <a:t>2022-05-16</a:t>
             </a:fld>
             <a:endParaRPr lang="ko-KR" altLang="en-US"/>
           </a:p>
@@ -1443,7 +1445,7 @@
           <a:p>
             <a:fld id="{3F8A50C2-589C-42C8-B763-56D87D9D16BD}" type="datetimeFigureOut">
               <a:rPr lang="ko-KR" altLang="en-US" smtClean="0"/>
-              <a:t>2022-05-09</a:t>
+              <a:t>2022-05-16</a:t>
             </a:fld>
             <a:endParaRPr lang="ko-KR" altLang="en-US"/>
           </a:p>
@@ -1708,7 +1710,7 @@
           <a:p>
             <a:fld id="{3F8A50C2-589C-42C8-B763-56D87D9D16BD}" type="datetimeFigureOut">
               <a:rPr lang="ko-KR" altLang="en-US" smtClean="0"/>
-              <a:t>2022-05-09</a:t>
+              <a:t>2022-05-16</a:t>
             </a:fld>
             <a:endParaRPr lang="ko-KR" altLang="en-US"/>
           </a:p>
@@ -2120,7 +2122,7 @@
           <a:p>
             <a:fld id="{3F8A50C2-589C-42C8-B763-56D87D9D16BD}" type="datetimeFigureOut">
               <a:rPr lang="ko-KR" altLang="en-US" smtClean="0"/>
-              <a:t>2022-05-09</a:t>
+              <a:t>2022-05-16</a:t>
             </a:fld>
             <a:endParaRPr lang="ko-KR" altLang="en-US"/>
           </a:p>
@@ -2261,7 +2263,7 @@
           <a:p>
             <a:fld id="{3F8A50C2-589C-42C8-B763-56D87D9D16BD}" type="datetimeFigureOut">
               <a:rPr lang="ko-KR" altLang="en-US" smtClean="0"/>
-              <a:t>2022-05-09</a:t>
+              <a:t>2022-05-16</a:t>
             </a:fld>
             <a:endParaRPr lang="ko-KR" altLang="en-US"/>
           </a:p>
@@ -2374,7 +2376,7 @@
           <a:p>
             <a:fld id="{3F8A50C2-589C-42C8-B763-56D87D9D16BD}" type="datetimeFigureOut">
               <a:rPr lang="ko-KR" altLang="en-US" smtClean="0"/>
-              <a:t>2022-05-09</a:t>
+              <a:t>2022-05-16</a:t>
             </a:fld>
             <a:endParaRPr lang="ko-KR" altLang="en-US"/>
           </a:p>
@@ -2634,7 +2636,7 @@
           <a:p>
             <a:fld id="{3F8A50C2-589C-42C8-B763-56D87D9D16BD}" type="datetimeFigureOut">
               <a:rPr lang="ko-KR" altLang="en-US" smtClean="0"/>
-              <a:t>2022-05-09</a:t>
+              <a:t>2022-05-16</a:t>
             </a:fld>
             <a:endParaRPr lang="ko-KR" altLang="en-US"/>
           </a:p>
@@ -2945,7 +2947,7 @@
           <a:p>
             <a:fld id="{3F8A50C2-589C-42C8-B763-56D87D9D16BD}" type="datetimeFigureOut">
               <a:rPr lang="ko-KR" altLang="en-US" smtClean="0"/>
-              <a:t>2022-05-09</a:t>
+              <a:t>2022-05-16</a:t>
             </a:fld>
             <a:endParaRPr lang="ko-KR" altLang="en-US"/>
           </a:p>
@@ -3186,7 +3188,7 @@
           <a:p>
             <a:fld id="{3F8A50C2-589C-42C8-B763-56D87D9D16BD}" type="datetimeFigureOut">
               <a:rPr lang="ko-KR" altLang="en-US" smtClean="0"/>
-              <a:t>2022-05-09</a:t>
+              <a:t>2022-05-16</a:t>
             </a:fld>
             <a:endParaRPr lang="ko-KR" altLang="en-US"/>
           </a:p>
@@ -4107,6 +4109,929 @@
                 <a:latin typeface="나눔스퀘어 ExtraBold" panose="020B0600000101010101" pitchFamily="50" charset="-127"/>
                 <a:ea typeface="나눔스퀘어 ExtraBold" panose="020B0600000101010101" pitchFamily="50" charset="-127"/>
               </a:rPr>
+              <a:t>언더피팅의 진단</a:t>
+            </a:r>
+            <a:endParaRPr lang="ko-KR" altLang="en-US" sz="3600" b="1" dirty="0">
+              <a:solidFill>
+                <a:schemeClr val="accent1">
+                  <a:lumMod val="50000"/>
+                </a:schemeClr>
+              </a:solidFill>
+              <a:latin typeface="나눔스퀘어 ExtraBold" panose="020B0600000101010101" pitchFamily="50" charset="-127"/>
+              <a:ea typeface="나눔스퀘어 ExtraBold" panose="020B0600000101010101" pitchFamily="50" charset="-127"/>
+            </a:endParaRPr>
+          </a:p>
+        </p:txBody>
+      </p:sp>
+      <p:sp>
+        <p:nvSpPr>
+          <p:cNvPr id="12" name="TextBox 11">
+            <a:extLst>
+              <a:ext uri="{FF2B5EF4-FFF2-40B4-BE49-F238E27FC236}">
+                <a16:creationId xmlns:a16="http://schemas.microsoft.com/office/drawing/2014/main" id="{F55AD60A-04A0-2DBF-9AC4-4F273F7D3D0B}"/>
+              </a:ext>
+            </a:extLst>
+          </p:cNvPr>
+          <p:cNvSpPr txBox="1"/>
+          <p:nvPr/>
+        </p:nvSpPr>
+        <p:spPr>
+          <a:xfrm flipH="1">
+            <a:off x="444491" y="1198032"/>
+            <a:ext cx="11434319" cy="3970318"/>
+          </a:xfrm>
+          <a:prstGeom prst="rect">
+            <a:avLst/>
+          </a:prstGeom>
+          <a:noFill/>
+        </p:spPr>
+        <p:txBody>
+          <a:bodyPr wrap="square" rtlCol="0">
+            <a:spAutoFit/>
+          </a:bodyPr>
+          <a:lstStyle/>
+          <a:p>
+            <a:r>
+              <a:rPr lang="en-US" altLang="ko-KR" sz="2800" b="1">
+                <a:latin typeface="나눔스퀘어 ExtraBold" panose="020B0600000101010101" pitchFamily="50" charset="-127"/>
+                <a:ea typeface="나눔스퀘어 ExtraBold" panose="020B0600000101010101" pitchFamily="50" charset="-127"/>
+              </a:rPr>
+              <a:t>Over-fitting,</a:t>
+            </a:r>
+            <a:r>
+              <a:rPr lang="ko-KR" altLang="en-US" sz="2800" b="1">
+                <a:latin typeface="나눔스퀘어 ExtraBold" panose="020B0600000101010101" pitchFamily="50" charset="-127"/>
+                <a:ea typeface="나눔스퀘어 ExtraBold" panose="020B0600000101010101" pitchFamily="50" charset="-127"/>
+              </a:rPr>
+              <a:t> </a:t>
+            </a:r>
+            <a:r>
+              <a:rPr lang="en-US" altLang="ko-KR" sz="2800" b="1">
+                <a:latin typeface="나눔스퀘어 ExtraBold" panose="020B0600000101010101" pitchFamily="50" charset="-127"/>
+                <a:ea typeface="나눔스퀘어 ExtraBold" panose="020B0600000101010101" pitchFamily="50" charset="-127"/>
+              </a:rPr>
+              <a:t>Under-fitting</a:t>
+            </a:r>
+            <a:r>
+              <a:rPr lang="ko-KR" altLang="en-US" sz="2800" b="1">
+                <a:latin typeface="나눔스퀘어 ExtraBold" panose="020B0600000101010101" pitchFamily="50" charset="-127"/>
+                <a:ea typeface="나눔스퀘어 ExtraBold" panose="020B0600000101010101" pitchFamily="50" charset="-127"/>
+              </a:rPr>
+              <a:t>을 진단하는 방법</a:t>
+            </a:r>
+            <a:endParaRPr lang="en-US" altLang="ko-KR" sz="2800" b="1">
+              <a:latin typeface="나눔스퀘어 ExtraBold" panose="020B0600000101010101" pitchFamily="50" charset="-127"/>
+              <a:ea typeface="나눔스퀘어 ExtraBold" panose="020B0600000101010101" pitchFamily="50" charset="-127"/>
+            </a:endParaRPr>
+          </a:p>
+          <a:p>
+            <a:r>
+              <a:rPr lang="en-US" altLang="ko-KR" sz="2800" b="1">
+                <a:latin typeface="나눔스퀘어 ExtraBold" panose="020B0600000101010101" pitchFamily="50" charset="-127"/>
+                <a:ea typeface="나눔스퀘어 ExtraBold" panose="020B0600000101010101" pitchFamily="50" charset="-127"/>
+              </a:rPr>
+              <a:t> -&gt; </a:t>
+            </a:r>
+            <a:r>
+              <a:rPr lang="ko-KR" altLang="en-US" sz="2800" b="1">
+                <a:latin typeface="나눔스퀘어 ExtraBold" panose="020B0600000101010101" pitchFamily="50" charset="-127"/>
+                <a:ea typeface="나눔스퀘어 ExtraBold" panose="020B0600000101010101" pitchFamily="50" charset="-127"/>
+              </a:rPr>
+              <a:t>가장 기본적이고 효과적인 방법은 </a:t>
+            </a:r>
+            <a:r>
+              <a:rPr lang="en-US" altLang="ko-KR" sz="2800" b="1">
+                <a:solidFill>
+                  <a:srgbClr val="FF0000"/>
+                </a:solidFill>
+                <a:latin typeface="나눔스퀘어 ExtraBold" panose="020B0600000101010101" pitchFamily="50" charset="-127"/>
+                <a:ea typeface="나눔스퀘어 ExtraBold" panose="020B0600000101010101" pitchFamily="50" charset="-127"/>
+              </a:rPr>
+              <a:t>bias vs. variance </a:t>
+            </a:r>
+            <a:r>
+              <a:rPr lang="ko-KR" altLang="en-US" sz="2800" b="1">
+                <a:solidFill>
+                  <a:srgbClr val="FF0000"/>
+                </a:solidFill>
+                <a:latin typeface="나눔스퀘어 ExtraBold" panose="020B0600000101010101" pitchFamily="50" charset="-127"/>
+                <a:ea typeface="나눔스퀘어 ExtraBold" panose="020B0600000101010101" pitchFamily="50" charset="-127"/>
+              </a:rPr>
+              <a:t>분석</a:t>
+            </a:r>
+            <a:endParaRPr lang="en-US" altLang="ko-KR" sz="2800" b="1">
+              <a:solidFill>
+                <a:srgbClr val="FF0000"/>
+              </a:solidFill>
+              <a:latin typeface="나눔스퀘어 ExtraBold" panose="020B0600000101010101" pitchFamily="50" charset="-127"/>
+              <a:ea typeface="나눔스퀘어 ExtraBold" panose="020B0600000101010101" pitchFamily="50" charset="-127"/>
+            </a:endParaRPr>
+          </a:p>
+          <a:p>
+            <a:endParaRPr lang="en-US" altLang="ko-KR" sz="2800" b="1">
+              <a:solidFill>
+                <a:srgbClr val="FF0000"/>
+              </a:solidFill>
+              <a:latin typeface="나눔스퀘어 ExtraBold" panose="020B0600000101010101" pitchFamily="50" charset="-127"/>
+              <a:ea typeface="나눔스퀘어 ExtraBold" panose="020B0600000101010101" pitchFamily="50" charset="-127"/>
+            </a:endParaRPr>
+          </a:p>
+          <a:p>
+            <a:pPr marL="514350" indent="-514350">
+              <a:buAutoNum type="arabicParenR"/>
+            </a:pPr>
+            <a:r>
+              <a:rPr lang="en-US" altLang="ko-KR" sz="2800" b="1">
+                <a:latin typeface="나눔스퀘어 ExtraBold" panose="020B0600000101010101" pitchFamily="50" charset="-127"/>
+                <a:ea typeface="나눔스퀘어 ExtraBold" panose="020B0600000101010101" pitchFamily="50" charset="-127"/>
+              </a:rPr>
+              <a:t>Over-fitting</a:t>
+            </a:r>
+            <a:r>
+              <a:rPr lang="ko-KR" altLang="en-US" sz="2800" b="1">
+                <a:latin typeface="나눔스퀘어 ExtraBold" panose="020B0600000101010101" pitchFamily="50" charset="-127"/>
+                <a:ea typeface="나눔스퀘어 ExtraBold" panose="020B0600000101010101" pitchFamily="50" charset="-127"/>
+              </a:rPr>
+              <a:t> </a:t>
+            </a:r>
+            <a:r>
+              <a:rPr lang="en-US" altLang="ko-KR" sz="2800" b="1">
+                <a:latin typeface="나눔스퀘어 ExtraBold" panose="020B0600000101010101" pitchFamily="50" charset="-127"/>
+                <a:ea typeface="나눔스퀘어 ExtraBold" panose="020B0600000101010101" pitchFamily="50" charset="-127"/>
+              </a:rPr>
+              <a:t>-&gt;</a:t>
+            </a:r>
+            <a:r>
+              <a:rPr lang="ko-KR" altLang="en-US" sz="2800" b="1">
+                <a:latin typeface="나눔스퀘어 ExtraBold" panose="020B0600000101010101" pitchFamily="50" charset="-127"/>
+                <a:ea typeface="나눔스퀘어 ExtraBold" panose="020B0600000101010101" pitchFamily="50" charset="-127"/>
+              </a:rPr>
+              <a:t> </a:t>
+            </a:r>
+            <a:r>
+              <a:rPr lang="en-US" altLang="ko-KR" sz="2800" b="1">
+                <a:latin typeface="나눔스퀘어 ExtraBold" panose="020B0600000101010101" pitchFamily="50" charset="-127"/>
+                <a:ea typeface="나눔스퀘어 ExtraBold" panose="020B0600000101010101" pitchFamily="50" charset="-127"/>
+              </a:rPr>
+              <a:t>variance</a:t>
+            </a:r>
+            <a:r>
+              <a:rPr lang="ko-KR" altLang="en-US" sz="2800" b="1">
+                <a:latin typeface="나눔스퀘어 ExtraBold" panose="020B0600000101010101" pitchFamily="50" charset="-127"/>
+                <a:ea typeface="나눔스퀘어 ExtraBold" panose="020B0600000101010101" pitchFamily="50" charset="-127"/>
+              </a:rPr>
+              <a:t>↑</a:t>
+            </a:r>
+            <a:endParaRPr lang="en-US" altLang="ko-KR" sz="2800" b="1">
+              <a:latin typeface="나눔스퀘어 ExtraBold" panose="020B0600000101010101" pitchFamily="50" charset="-127"/>
+              <a:ea typeface="나눔스퀘어 ExtraBold" panose="020B0600000101010101" pitchFamily="50" charset="-127"/>
+            </a:endParaRPr>
+          </a:p>
+          <a:p>
+            <a:pPr marL="971550" lvl="1" indent="-514350">
+              <a:buFont typeface="Wingdings" panose="05000000000000000000" pitchFamily="2" charset="2"/>
+              <a:buChar char="Ø"/>
+            </a:pPr>
+            <a:r>
+              <a:rPr lang="en-US" altLang="ko-KR" sz="2800" b="1">
+                <a:latin typeface="나눔스퀘어 ExtraBold" panose="020B0600000101010101" pitchFamily="50" charset="-127"/>
+                <a:ea typeface="나눔스퀘어 ExtraBold" panose="020B0600000101010101" pitchFamily="50" charset="-127"/>
+              </a:rPr>
+              <a:t>Train</a:t>
+            </a:r>
+            <a:r>
+              <a:rPr lang="ko-KR" altLang="en-US" sz="2800" b="1">
+                <a:latin typeface="나눔스퀘어 ExtraBold" panose="020B0600000101010101" pitchFamily="50" charset="-127"/>
+                <a:ea typeface="나눔스퀘어 ExtraBold" panose="020B0600000101010101" pitchFamily="50" charset="-127"/>
+              </a:rPr>
+              <a:t> </a:t>
+            </a:r>
+            <a:r>
+              <a:rPr lang="en-US" altLang="ko-KR" sz="2800" b="1">
+                <a:latin typeface="나눔스퀘어 ExtraBold" panose="020B0600000101010101" pitchFamily="50" charset="-127"/>
+                <a:ea typeface="나눔스퀘어 ExtraBold" panose="020B0600000101010101" pitchFamily="50" charset="-127"/>
+              </a:rPr>
+              <a:t>error</a:t>
+            </a:r>
+            <a:r>
+              <a:rPr lang="ko-KR" altLang="en-US" sz="2800" b="1">
+                <a:latin typeface="나눔스퀘어 ExtraBold" panose="020B0600000101010101" pitchFamily="50" charset="-127"/>
+                <a:ea typeface="나눔스퀘어 ExtraBold" panose="020B0600000101010101" pitchFamily="50" charset="-127"/>
+              </a:rPr>
+              <a:t>가 </a:t>
+            </a:r>
+            <a:r>
+              <a:rPr lang="en-US" altLang="ko-KR" sz="2800" b="1">
+                <a:latin typeface="나눔스퀘어 ExtraBold" panose="020B0600000101010101" pitchFamily="50" charset="-127"/>
+                <a:ea typeface="나눔스퀘어 ExtraBold" panose="020B0600000101010101" pitchFamily="50" charset="-127"/>
+              </a:rPr>
+              <a:t>test error </a:t>
+            </a:r>
+            <a:r>
+              <a:rPr lang="ko-KR" altLang="en-US" sz="2800" b="1">
+                <a:latin typeface="나눔스퀘어 ExtraBold" panose="020B0600000101010101" pitchFamily="50" charset="-127"/>
+                <a:ea typeface="나눔스퀘어 ExtraBold" panose="020B0600000101010101" pitchFamily="50" charset="-127"/>
+              </a:rPr>
+              <a:t>보다 훨씬 작은 경우</a:t>
+            </a:r>
+            <a:endParaRPr lang="en-US" altLang="ko-KR" sz="2800" b="1">
+              <a:latin typeface="나눔스퀘어 ExtraBold" panose="020B0600000101010101" pitchFamily="50" charset="-127"/>
+              <a:ea typeface="나눔스퀘어 ExtraBold" panose="020B0600000101010101" pitchFamily="50" charset="-127"/>
+            </a:endParaRPr>
+          </a:p>
+          <a:p>
+            <a:pPr marL="971550" lvl="1" indent="-514350">
+              <a:buFont typeface="Wingdings" panose="05000000000000000000" pitchFamily="2" charset="2"/>
+              <a:buChar char="Ø"/>
+            </a:pPr>
+            <a:r>
+              <a:rPr lang="en-US" altLang="ko-KR" sz="2800" b="1">
+                <a:latin typeface="나눔스퀘어 ExtraBold" panose="020B0600000101010101" pitchFamily="50" charset="-127"/>
+                <a:ea typeface="나눔스퀘어 ExtraBold" panose="020B0600000101010101" pitchFamily="50" charset="-127"/>
+              </a:rPr>
+              <a:t>Train</a:t>
+            </a:r>
+            <a:r>
+              <a:rPr lang="ko-KR" altLang="en-US" sz="2800" b="1">
+                <a:latin typeface="나눔스퀘어 ExtraBold" panose="020B0600000101010101" pitchFamily="50" charset="-127"/>
+                <a:ea typeface="나눔스퀘어 ExtraBold" panose="020B0600000101010101" pitchFamily="50" charset="-127"/>
+              </a:rPr>
+              <a:t>에서는 잘</a:t>
+            </a:r>
+            <a:r>
+              <a:rPr lang="en-US" altLang="ko-KR" sz="2800" b="1">
+                <a:latin typeface="나눔스퀘어 ExtraBold" panose="020B0600000101010101" pitchFamily="50" charset="-127"/>
+                <a:ea typeface="나눔스퀘어 ExtraBold" panose="020B0600000101010101" pitchFamily="50" charset="-127"/>
+              </a:rPr>
+              <a:t> </a:t>
+            </a:r>
+            <a:r>
+              <a:rPr lang="ko-KR" altLang="en-US" sz="2800" b="1">
+                <a:latin typeface="나눔스퀘어 ExtraBold" panose="020B0600000101010101" pitchFamily="50" charset="-127"/>
+                <a:ea typeface="나눔스퀘어 ExtraBold" panose="020B0600000101010101" pitchFamily="50" charset="-127"/>
+              </a:rPr>
+              <a:t>학습하나 </a:t>
+            </a:r>
+            <a:r>
+              <a:rPr lang="en-US" altLang="ko-KR" sz="2800" b="1">
+                <a:latin typeface="나눔스퀘어 ExtraBold" panose="020B0600000101010101" pitchFamily="50" charset="-127"/>
+                <a:ea typeface="나눔스퀘어 ExtraBold" panose="020B0600000101010101" pitchFamily="50" charset="-127"/>
+              </a:rPr>
+              <a:t>test</a:t>
+            </a:r>
+            <a:r>
+              <a:rPr lang="ko-KR" altLang="en-US" sz="2800" b="1">
+                <a:latin typeface="나눔스퀘어 ExtraBold" panose="020B0600000101010101" pitchFamily="50" charset="-127"/>
+                <a:ea typeface="나눔스퀘어 ExtraBold" panose="020B0600000101010101" pitchFamily="50" charset="-127"/>
+              </a:rPr>
+              <a:t>에서 학습이 잘 안되는 경우</a:t>
+            </a:r>
+            <a:endParaRPr lang="en-US" altLang="ko-KR" sz="2800" b="1">
+              <a:latin typeface="나눔스퀘어 ExtraBold" panose="020B0600000101010101" pitchFamily="50" charset="-127"/>
+              <a:ea typeface="나눔스퀘어 ExtraBold" panose="020B0600000101010101" pitchFamily="50" charset="-127"/>
+            </a:endParaRPr>
+          </a:p>
+          <a:p>
+            <a:pPr lvl="1"/>
+            <a:endParaRPr lang="en-US" altLang="ko-KR" sz="2800" b="1">
+              <a:latin typeface="나눔스퀘어 ExtraBold" panose="020B0600000101010101" pitchFamily="50" charset="-127"/>
+              <a:ea typeface="나눔스퀘어 ExtraBold" panose="020B0600000101010101" pitchFamily="50" charset="-127"/>
+            </a:endParaRPr>
+          </a:p>
+          <a:p>
+            <a:pPr marL="514350" indent="-514350">
+              <a:buAutoNum type="arabicParenR"/>
+            </a:pPr>
+            <a:r>
+              <a:rPr lang="en-US" altLang="ko-KR" sz="2800" b="1">
+                <a:latin typeface="나눔스퀘어 ExtraBold" panose="020B0600000101010101" pitchFamily="50" charset="-127"/>
+                <a:ea typeface="나눔스퀘어 ExtraBold" panose="020B0600000101010101" pitchFamily="50" charset="-127"/>
+              </a:rPr>
+              <a:t>Under-fitting -&gt; bias</a:t>
+            </a:r>
+            <a:r>
+              <a:rPr lang="ko-KR" altLang="en-US" sz="2800" b="1">
+                <a:latin typeface="나눔스퀘어 ExtraBold" panose="020B0600000101010101" pitchFamily="50" charset="-127"/>
+                <a:ea typeface="나눔스퀘어 ExtraBold" panose="020B0600000101010101" pitchFamily="50" charset="-127"/>
+              </a:rPr>
+              <a:t>↑</a:t>
+            </a:r>
+            <a:endParaRPr lang="en-US" altLang="ko-KR" sz="2800" b="1">
+              <a:latin typeface="나눔스퀘어 ExtraBold" panose="020B0600000101010101" pitchFamily="50" charset="-127"/>
+              <a:ea typeface="나눔스퀘어 ExtraBold" panose="020B0600000101010101" pitchFamily="50" charset="-127"/>
+            </a:endParaRPr>
+          </a:p>
+          <a:p>
+            <a:pPr marL="971550" lvl="1" indent="-514350">
+              <a:buFont typeface="Wingdings" panose="05000000000000000000" pitchFamily="2" charset="2"/>
+              <a:buChar char="Ø"/>
+            </a:pPr>
+            <a:r>
+              <a:rPr lang="en-US" altLang="ko-KR" sz="2800" b="1">
+                <a:latin typeface="나눔스퀘어 ExtraBold" panose="020B0600000101010101" pitchFamily="50" charset="-127"/>
+                <a:ea typeface="나눔스퀘어 ExtraBold" panose="020B0600000101010101" pitchFamily="50" charset="-127"/>
+              </a:rPr>
+              <a:t>Train error</a:t>
+            </a:r>
+            <a:r>
+              <a:rPr lang="ko-KR" altLang="en-US" sz="2800" b="1">
+                <a:latin typeface="나눔스퀘어 ExtraBold" panose="020B0600000101010101" pitchFamily="50" charset="-127"/>
+                <a:ea typeface="나눔스퀘어 ExtraBold" panose="020B0600000101010101" pitchFamily="50" charset="-127"/>
+              </a:rPr>
+              <a:t>와 </a:t>
+            </a:r>
+            <a:r>
+              <a:rPr lang="en-US" altLang="ko-KR" sz="2800" b="1">
+                <a:latin typeface="나눔스퀘어 ExtraBold" panose="020B0600000101010101" pitchFamily="50" charset="-127"/>
+                <a:ea typeface="나눔스퀘어 ExtraBold" panose="020B0600000101010101" pitchFamily="50" charset="-127"/>
+              </a:rPr>
+              <a:t>test error </a:t>
+            </a:r>
+            <a:r>
+              <a:rPr lang="ko-KR" altLang="en-US" sz="2800" b="1">
+                <a:latin typeface="나눔스퀘어 ExtraBold" panose="020B0600000101010101" pitchFamily="50" charset="-127"/>
+                <a:ea typeface="나눔스퀘어 ExtraBold" panose="020B0600000101010101" pitchFamily="50" charset="-127"/>
+              </a:rPr>
+              <a:t>모두 높은 경우</a:t>
+            </a:r>
+            <a:endParaRPr lang="en-US" altLang="ko-KR" sz="2800" b="1">
+              <a:latin typeface="나눔스퀘어 ExtraBold" panose="020B0600000101010101" pitchFamily="50" charset="-127"/>
+              <a:ea typeface="나눔스퀘어 ExtraBold" panose="020B0600000101010101" pitchFamily="50" charset="-127"/>
+            </a:endParaRPr>
+          </a:p>
+        </p:txBody>
+      </p:sp>
+    </p:spTree>
+    <p:extLst>
+      <p:ext uri="{BB962C8B-B14F-4D97-AF65-F5344CB8AC3E}">
+        <p14:creationId xmlns:p14="http://schemas.microsoft.com/office/powerpoint/2010/main" val="2106638860"/>
+      </p:ext>
+    </p:extLst>
+  </p:cSld>
+  <p:clrMapOvr>
+    <a:masterClrMapping/>
+  </p:clrMapOvr>
+  <mc:AlternateContent xmlns:mc="http://schemas.openxmlformats.org/markup-compatibility/2006" xmlns:p159="http://schemas.microsoft.com/office/powerpoint/2015/09/main">
+    <mc:Choice Requires="p159">
+      <p:transition xmlns:p14="http://schemas.microsoft.com/office/powerpoint/2010/main" spd="slow" p14:dur="2000">
+        <p159:morph option="byObject"/>
+      </p:transition>
+    </mc:Choice>
+    <mc:Fallback xmlns="">
+      <p:transition spd="slow">
+        <p:fade/>
+      </p:transition>
+    </mc:Fallback>
+  </mc:AlternateContent>
+</p:sld>
+</file>
+
+<file path=ppt/slides/slide4.xml><?xml version="1.0" encoding="utf-8"?>
+<p:sld xmlns:a="http://schemas.openxmlformats.org/drawingml/2006/main" xmlns:r="http://schemas.openxmlformats.org/officeDocument/2006/relationships" xmlns:p="http://schemas.openxmlformats.org/presentationml/2006/main">
+  <p:cSld>
+    <p:spTree>
+      <p:nvGrpSpPr>
+        <p:cNvPr id="1" name=""/>
+        <p:cNvGrpSpPr/>
+        <p:nvPr/>
+      </p:nvGrpSpPr>
+      <p:grpSpPr>
+        <a:xfrm>
+          <a:off x="0" y="0"/>
+          <a:ext cx="0" cy="0"/>
+          <a:chOff x="0" y="0"/>
+          <a:chExt cx="0" cy="0"/>
+        </a:xfrm>
+      </p:grpSpPr>
+      <p:cxnSp>
+        <p:nvCxnSpPr>
+          <p:cNvPr id="4" name="직선 연결선 3">
+            <a:extLst>
+              <a:ext uri="{FF2B5EF4-FFF2-40B4-BE49-F238E27FC236}">
+                <a16:creationId xmlns:a16="http://schemas.microsoft.com/office/drawing/2014/main" id="{91783D2F-737E-4797-9853-8C85BE37E236}"/>
+              </a:ext>
+            </a:extLst>
+          </p:cNvPr>
+          <p:cNvCxnSpPr/>
+          <p:nvPr/>
+        </p:nvCxnSpPr>
+        <p:spPr>
+          <a:xfrm>
+            <a:off x="0" y="975360"/>
+            <a:ext cx="12192000" cy="0"/>
+          </a:xfrm>
+          <a:prstGeom prst="line">
+            <a:avLst/>
+          </a:prstGeom>
+        </p:spPr>
+        <p:style>
+          <a:lnRef idx="1">
+            <a:schemeClr val="accent1"/>
+          </a:lnRef>
+          <a:fillRef idx="0">
+            <a:schemeClr val="accent1"/>
+          </a:fillRef>
+          <a:effectRef idx="0">
+            <a:schemeClr val="accent1"/>
+          </a:effectRef>
+          <a:fontRef idx="minor">
+            <a:schemeClr val="tx1"/>
+          </a:fontRef>
+        </p:style>
+      </p:cxnSp>
+      <p:sp>
+        <p:nvSpPr>
+          <p:cNvPr id="5" name="TextBox 4">
+            <a:extLst>
+              <a:ext uri="{FF2B5EF4-FFF2-40B4-BE49-F238E27FC236}">
+                <a16:creationId xmlns:a16="http://schemas.microsoft.com/office/drawing/2014/main" id="{AADC96B8-21F1-4CA5-82F2-62149BA3A81F}"/>
+              </a:ext>
+            </a:extLst>
+          </p:cNvPr>
+          <p:cNvSpPr txBox="1"/>
+          <p:nvPr/>
+        </p:nvSpPr>
+        <p:spPr>
+          <a:xfrm>
+            <a:off x="162560" y="159116"/>
+            <a:ext cx="843280" cy="338554"/>
+          </a:xfrm>
+          <a:prstGeom prst="rect">
+            <a:avLst/>
+          </a:prstGeom>
+          <a:noFill/>
+        </p:spPr>
+        <p:txBody>
+          <a:bodyPr wrap="square" rtlCol="0">
+            <a:spAutoFit/>
+          </a:bodyPr>
+          <a:lstStyle/>
+          <a:p>
+            <a:r>
+              <a:rPr lang="en-US" altLang="ko-KR" sz="1600" b="1" dirty="0">
+                <a:solidFill>
+                  <a:schemeClr val="accent1">
+                    <a:lumMod val="50000"/>
+                  </a:schemeClr>
+                </a:solidFill>
+              </a:rPr>
+              <a:t>Part 1</a:t>
+            </a:r>
+            <a:endParaRPr lang="ko-KR" altLang="en-US" sz="1600" b="1" dirty="0">
+              <a:solidFill>
+                <a:schemeClr val="accent1">
+                  <a:lumMod val="50000"/>
+                </a:schemeClr>
+              </a:solidFill>
+            </a:endParaRPr>
+          </a:p>
+        </p:txBody>
+      </p:sp>
+      <p:sp>
+        <p:nvSpPr>
+          <p:cNvPr id="6" name="TextBox 5">
+            <a:extLst>
+              <a:ext uri="{FF2B5EF4-FFF2-40B4-BE49-F238E27FC236}">
+                <a16:creationId xmlns:a16="http://schemas.microsoft.com/office/drawing/2014/main" id="{E9E4E03B-DC2B-4AB1-AA88-841F77488FB8}"/>
+              </a:ext>
+            </a:extLst>
+          </p:cNvPr>
+          <p:cNvSpPr txBox="1"/>
+          <p:nvPr/>
+        </p:nvSpPr>
+        <p:spPr>
+          <a:xfrm flipH="1">
+            <a:off x="1005839" y="174504"/>
+            <a:ext cx="5185235" cy="646331"/>
+          </a:xfrm>
+          <a:prstGeom prst="rect">
+            <a:avLst/>
+          </a:prstGeom>
+          <a:noFill/>
+        </p:spPr>
+        <p:txBody>
+          <a:bodyPr wrap="square" rtlCol="0">
+            <a:spAutoFit/>
+          </a:bodyPr>
+          <a:lstStyle/>
+          <a:p>
+            <a:r>
+              <a:rPr lang="ko-KR" altLang="en-US" sz="3600" b="1">
+                <a:solidFill>
+                  <a:schemeClr val="accent1">
+                    <a:lumMod val="50000"/>
+                  </a:schemeClr>
+                </a:solidFill>
+                <a:latin typeface="나눔스퀘어 ExtraBold" panose="020B0600000101010101" pitchFamily="50" charset="-127"/>
+                <a:ea typeface="나눔스퀘어 ExtraBold" panose="020B0600000101010101" pitchFamily="50" charset="-127"/>
+              </a:rPr>
+              <a:t>언더피팅의 진단</a:t>
+            </a:r>
+            <a:endParaRPr lang="ko-KR" altLang="en-US" sz="3600" b="1" dirty="0">
+              <a:solidFill>
+                <a:schemeClr val="accent1">
+                  <a:lumMod val="50000"/>
+                </a:schemeClr>
+              </a:solidFill>
+              <a:latin typeface="나눔스퀘어 ExtraBold" panose="020B0600000101010101" pitchFamily="50" charset="-127"/>
+              <a:ea typeface="나눔스퀘어 ExtraBold" panose="020B0600000101010101" pitchFamily="50" charset="-127"/>
+            </a:endParaRPr>
+          </a:p>
+        </p:txBody>
+      </p:sp>
+      <p:sp>
+        <p:nvSpPr>
+          <p:cNvPr id="7" name="TextBox 6">
+            <a:extLst>
+              <a:ext uri="{FF2B5EF4-FFF2-40B4-BE49-F238E27FC236}">
+                <a16:creationId xmlns:a16="http://schemas.microsoft.com/office/drawing/2014/main" id="{07B2F056-0BDE-2F53-5E8A-E26ED87D0E3D}"/>
+              </a:ext>
+            </a:extLst>
+          </p:cNvPr>
+          <p:cNvSpPr txBox="1"/>
+          <p:nvPr/>
+        </p:nvSpPr>
+        <p:spPr>
+          <a:xfrm flipH="1">
+            <a:off x="162560" y="1129886"/>
+            <a:ext cx="11434319" cy="954107"/>
+          </a:xfrm>
+          <a:prstGeom prst="rect">
+            <a:avLst/>
+          </a:prstGeom>
+          <a:noFill/>
+        </p:spPr>
+        <p:txBody>
+          <a:bodyPr wrap="square" rtlCol="0">
+            <a:spAutoFit/>
+          </a:bodyPr>
+          <a:lstStyle/>
+          <a:p>
+            <a:r>
+              <a:rPr lang="en-US" altLang="ko-KR" sz="2800" b="1">
+                <a:latin typeface="나눔스퀘어 ExtraBold" panose="020B0600000101010101" pitchFamily="50" charset="-127"/>
+                <a:ea typeface="나눔스퀘어 ExtraBold" panose="020B0600000101010101" pitchFamily="50" charset="-127"/>
+              </a:rPr>
+              <a:t>bias vs. variance trade-off</a:t>
+            </a:r>
+          </a:p>
+          <a:p>
+            <a:r>
+              <a:rPr lang="en-US" altLang="ko-KR" sz="2800" b="1">
+                <a:latin typeface="나눔스퀘어 ExtraBold" panose="020B0600000101010101" pitchFamily="50" charset="-127"/>
+                <a:ea typeface="나눔스퀘어 ExtraBold" panose="020B0600000101010101" pitchFamily="50" charset="-127"/>
+              </a:rPr>
+              <a:t>Trade off = </a:t>
+            </a:r>
+            <a:r>
+              <a:rPr lang="ko-KR" altLang="en-US" sz="2800" b="1">
+                <a:latin typeface="나눔스퀘어 ExtraBold" panose="020B0600000101010101" pitchFamily="50" charset="-127"/>
+                <a:ea typeface="나눔스퀘어 ExtraBold" panose="020B0600000101010101" pitchFamily="50" charset="-127"/>
+              </a:rPr>
+              <a:t>하나가 증가하면 다른 하나는 무조건 감소한다는 뜻</a:t>
+            </a:r>
+            <a:endParaRPr lang="en-US" altLang="ko-KR" sz="2800" b="1">
+              <a:latin typeface="나눔스퀘어 ExtraBold" panose="020B0600000101010101" pitchFamily="50" charset="-127"/>
+              <a:ea typeface="나눔스퀘어 ExtraBold" panose="020B0600000101010101" pitchFamily="50" charset="-127"/>
+            </a:endParaRPr>
+          </a:p>
+        </p:txBody>
+      </p:sp>
+      <p:pic>
+        <p:nvPicPr>
+          <p:cNvPr id="1028" name="Picture 4">
+            <a:extLst>
+              <a:ext uri="{FF2B5EF4-FFF2-40B4-BE49-F238E27FC236}">
+                <a16:creationId xmlns:a16="http://schemas.microsoft.com/office/drawing/2014/main" id="{D643E4C8-AB36-881D-D4CC-5B5570C595DE}"/>
+              </a:ext>
+            </a:extLst>
+          </p:cNvPr>
+          <p:cNvPicPr>
+            <a:picLocks noChangeAspect="1" noChangeArrowheads="1"/>
+          </p:cNvPicPr>
+          <p:nvPr/>
+        </p:nvPicPr>
+        <p:blipFill>
+          <a:blip r:embed="rId2">
+            <a:extLst>
+              <a:ext uri="{28A0092B-C50C-407E-A947-70E740481C1C}">
+                <a14:useLocalDpi xmlns:a14="http://schemas.microsoft.com/office/drawing/2010/main" val="0"/>
+              </a:ext>
+            </a:extLst>
+          </a:blip>
+          <a:srcRect/>
+          <a:stretch>
+            <a:fillRect/>
+          </a:stretch>
+        </p:blipFill>
+        <p:spPr bwMode="auto">
+          <a:xfrm>
+            <a:off x="777146" y="2238518"/>
+            <a:ext cx="3810000" cy="2943225"/>
+          </a:xfrm>
+          <a:prstGeom prst="rect">
+            <a:avLst/>
+          </a:prstGeom>
+          <a:noFill/>
+          <a:extLst>
+            <a:ext uri="{909E8E84-426E-40DD-AFC4-6F175D3DCCD1}">
+              <a14:hiddenFill xmlns:a14="http://schemas.microsoft.com/office/drawing/2010/main">
+                <a:solidFill>
+                  <a:srgbClr val="FFFFFF"/>
+                </a:solidFill>
+              </a14:hiddenFill>
+            </a:ext>
+          </a:extLst>
+        </p:spPr>
+      </p:pic>
+      <p:pic>
+        <p:nvPicPr>
+          <p:cNvPr id="1030" name="Picture 6">
+            <a:extLst>
+              <a:ext uri="{FF2B5EF4-FFF2-40B4-BE49-F238E27FC236}">
+                <a16:creationId xmlns:a16="http://schemas.microsoft.com/office/drawing/2014/main" id="{7918B210-1E82-1C94-2DAF-CDBE795A3912}"/>
+              </a:ext>
+            </a:extLst>
+          </p:cNvPr>
+          <p:cNvPicPr>
+            <a:picLocks noChangeAspect="1" noChangeArrowheads="1"/>
+          </p:cNvPicPr>
+          <p:nvPr/>
+        </p:nvPicPr>
+        <p:blipFill>
+          <a:blip r:embed="rId3">
+            <a:extLst>
+              <a:ext uri="{28A0092B-C50C-407E-A947-70E740481C1C}">
+                <a14:useLocalDpi xmlns:a14="http://schemas.microsoft.com/office/drawing/2010/main" val="0"/>
+              </a:ext>
+            </a:extLst>
+          </a:blip>
+          <a:srcRect/>
+          <a:stretch>
+            <a:fillRect/>
+          </a:stretch>
+        </p:blipFill>
+        <p:spPr bwMode="auto">
+          <a:xfrm>
+            <a:off x="5254829" y="2083993"/>
+            <a:ext cx="5524500" cy="3581400"/>
+          </a:xfrm>
+          <a:prstGeom prst="rect">
+            <a:avLst/>
+          </a:prstGeom>
+          <a:noFill/>
+          <a:extLst>
+            <a:ext uri="{909E8E84-426E-40DD-AFC4-6F175D3DCCD1}">
+              <a14:hiddenFill xmlns:a14="http://schemas.microsoft.com/office/drawing/2010/main">
+                <a:solidFill>
+                  <a:srgbClr val="FFFFFF"/>
+                </a:solidFill>
+              </a14:hiddenFill>
+            </a:ext>
+          </a:extLst>
+        </p:spPr>
+      </p:pic>
+      <p:sp>
+        <p:nvSpPr>
+          <p:cNvPr id="10" name="TextBox 9">
+            <a:extLst>
+              <a:ext uri="{FF2B5EF4-FFF2-40B4-BE49-F238E27FC236}">
+                <a16:creationId xmlns:a16="http://schemas.microsoft.com/office/drawing/2014/main" id="{206A7282-A3B4-47EE-9880-B8EA010919C2}"/>
+              </a:ext>
+            </a:extLst>
+          </p:cNvPr>
+          <p:cNvSpPr txBox="1"/>
+          <p:nvPr/>
+        </p:nvSpPr>
+        <p:spPr>
+          <a:xfrm flipH="1">
+            <a:off x="473914" y="5342864"/>
+            <a:ext cx="11434319" cy="954107"/>
+          </a:xfrm>
+          <a:prstGeom prst="rect">
+            <a:avLst/>
+          </a:prstGeom>
+          <a:noFill/>
+        </p:spPr>
+        <p:txBody>
+          <a:bodyPr wrap="square" rtlCol="0">
+            <a:spAutoFit/>
+          </a:bodyPr>
+          <a:lstStyle/>
+          <a:p>
+            <a:r>
+              <a:rPr lang="en-US" altLang="ko-KR" sz="2800" b="1">
+                <a:latin typeface="나눔스퀘어 ExtraBold" panose="020B0600000101010101" pitchFamily="50" charset="-127"/>
+                <a:ea typeface="나눔스퀘어 ExtraBold" panose="020B0600000101010101" pitchFamily="50" charset="-127"/>
+              </a:rPr>
+              <a:t>=&gt; </a:t>
+            </a:r>
+            <a:r>
+              <a:rPr lang="ko-KR" altLang="en-US" sz="2800" b="1">
+                <a:latin typeface="나눔스퀘어 ExtraBold" panose="020B0600000101010101" pitchFamily="50" charset="-127"/>
+                <a:ea typeface="나눔스퀘어 ExtraBold" panose="020B0600000101010101" pitchFamily="50" charset="-127"/>
+              </a:rPr>
+              <a:t>학습을 한다고 해도 </a:t>
+            </a:r>
+            <a:r>
+              <a:rPr lang="en-US" altLang="ko-KR" sz="2800" b="1">
+                <a:latin typeface="나눔스퀘어 ExtraBold" panose="020B0600000101010101" pitchFamily="50" charset="-127"/>
+                <a:ea typeface="나눔스퀘어 ExtraBold" panose="020B0600000101010101" pitchFamily="50" charset="-127"/>
+              </a:rPr>
+              <a:t>bias</a:t>
+            </a:r>
+            <a:r>
+              <a:rPr lang="ko-KR" altLang="en-US" sz="2800" b="1">
+                <a:latin typeface="나눔스퀘어 ExtraBold" panose="020B0600000101010101" pitchFamily="50" charset="-127"/>
+                <a:ea typeface="나눔스퀘어 ExtraBold" panose="020B0600000101010101" pitchFamily="50" charset="-127"/>
+              </a:rPr>
+              <a:t>와 </a:t>
+            </a:r>
+            <a:r>
+              <a:rPr lang="en-US" altLang="ko-KR" sz="2800" b="1">
+                <a:latin typeface="나눔스퀘어 ExtraBold" panose="020B0600000101010101" pitchFamily="50" charset="-127"/>
+                <a:ea typeface="나눔스퀘어 ExtraBold" panose="020B0600000101010101" pitchFamily="50" charset="-127"/>
+              </a:rPr>
+              <a:t>variance</a:t>
+            </a:r>
+            <a:r>
+              <a:rPr lang="ko-KR" altLang="en-US" sz="2800" b="1">
+                <a:latin typeface="나눔스퀘어 ExtraBold" panose="020B0600000101010101" pitchFamily="50" charset="-127"/>
+                <a:ea typeface="나눔스퀘어 ExtraBold" panose="020B0600000101010101" pitchFamily="50" charset="-127"/>
+              </a:rPr>
+              <a:t>를 고려해 가장 낮은 지점을 찾아 최적의 학습 모델로 만들어야함</a:t>
+            </a:r>
+            <a:endParaRPr lang="en-US" altLang="ko-KR" sz="2800" b="1">
+              <a:latin typeface="나눔스퀘어 ExtraBold" panose="020B0600000101010101" pitchFamily="50" charset="-127"/>
+              <a:ea typeface="나눔스퀘어 ExtraBold" panose="020B0600000101010101" pitchFamily="50" charset="-127"/>
+            </a:endParaRPr>
+          </a:p>
+        </p:txBody>
+      </p:sp>
+    </p:spTree>
+    <p:extLst>
+      <p:ext uri="{BB962C8B-B14F-4D97-AF65-F5344CB8AC3E}">
+        <p14:creationId xmlns:p14="http://schemas.microsoft.com/office/powerpoint/2010/main" val="4072655974"/>
+      </p:ext>
+    </p:extLst>
+  </p:cSld>
+  <p:clrMapOvr>
+    <a:masterClrMapping/>
+  </p:clrMapOvr>
+  <mc:AlternateContent xmlns:mc="http://schemas.openxmlformats.org/markup-compatibility/2006" xmlns:p159="http://schemas.microsoft.com/office/powerpoint/2015/09/main">
+    <mc:Choice Requires="p159">
+      <p:transition xmlns:p14="http://schemas.microsoft.com/office/powerpoint/2010/main" spd="slow" p14:dur="2000">
+        <p159:morph option="byObject"/>
+      </p:transition>
+    </mc:Choice>
+    <mc:Fallback xmlns="">
+      <p:transition spd="slow">
+        <p:fade/>
+      </p:transition>
+    </mc:Fallback>
+  </mc:AlternateContent>
+</p:sld>
+</file>
+
+<file path=ppt/slides/slide5.xml><?xml version="1.0" encoding="utf-8"?>
+<p:sld xmlns:a="http://schemas.openxmlformats.org/drawingml/2006/main" xmlns:r="http://schemas.openxmlformats.org/officeDocument/2006/relationships" xmlns:p="http://schemas.openxmlformats.org/presentationml/2006/main">
+  <p:cSld>
+    <p:spTree>
+      <p:nvGrpSpPr>
+        <p:cNvPr id="1" name=""/>
+        <p:cNvGrpSpPr/>
+        <p:nvPr/>
+      </p:nvGrpSpPr>
+      <p:grpSpPr>
+        <a:xfrm>
+          <a:off x="0" y="0"/>
+          <a:ext cx="0" cy="0"/>
+          <a:chOff x="0" y="0"/>
+          <a:chExt cx="0" cy="0"/>
+        </a:xfrm>
+      </p:grpSpPr>
+      <p:cxnSp>
+        <p:nvCxnSpPr>
+          <p:cNvPr id="4" name="직선 연결선 3">
+            <a:extLst>
+              <a:ext uri="{FF2B5EF4-FFF2-40B4-BE49-F238E27FC236}">
+                <a16:creationId xmlns:a16="http://schemas.microsoft.com/office/drawing/2014/main" id="{91783D2F-737E-4797-9853-8C85BE37E236}"/>
+              </a:ext>
+            </a:extLst>
+          </p:cNvPr>
+          <p:cNvCxnSpPr/>
+          <p:nvPr/>
+        </p:nvCxnSpPr>
+        <p:spPr>
+          <a:xfrm>
+            <a:off x="0" y="975360"/>
+            <a:ext cx="12192000" cy="0"/>
+          </a:xfrm>
+          <a:prstGeom prst="line">
+            <a:avLst/>
+          </a:prstGeom>
+        </p:spPr>
+        <p:style>
+          <a:lnRef idx="1">
+            <a:schemeClr val="accent1"/>
+          </a:lnRef>
+          <a:fillRef idx="0">
+            <a:schemeClr val="accent1"/>
+          </a:fillRef>
+          <a:effectRef idx="0">
+            <a:schemeClr val="accent1"/>
+          </a:effectRef>
+          <a:fontRef idx="minor">
+            <a:schemeClr val="tx1"/>
+          </a:fontRef>
+        </p:style>
+      </p:cxnSp>
+      <p:sp>
+        <p:nvSpPr>
+          <p:cNvPr id="5" name="TextBox 4">
+            <a:extLst>
+              <a:ext uri="{FF2B5EF4-FFF2-40B4-BE49-F238E27FC236}">
+                <a16:creationId xmlns:a16="http://schemas.microsoft.com/office/drawing/2014/main" id="{AADC96B8-21F1-4CA5-82F2-62149BA3A81F}"/>
+              </a:ext>
+            </a:extLst>
+          </p:cNvPr>
+          <p:cNvSpPr txBox="1"/>
+          <p:nvPr/>
+        </p:nvSpPr>
+        <p:spPr>
+          <a:xfrm>
+            <a:off x="162560" y="159116"/>
+            <a:ext cx="843280" cy="338554"/>
+          </a:xfrm>
+          <a:prstGeom prst="rect">
+            <a:avLst/>
+          </a:prstGeom>
+          <a:noFill/>
+        </p:spPr>
+        <p:txBody>
+          <a:bodyPr wrap="square" rtlCol="0">
+            <a:spAutoFit/>
+          </a:bodyPr>
+          <a:lstStyle/>
+          <a:p>
+            <a:r>
+              <a:rPr lang="en-US" altLang="ko-KR" sz="1600" b="1" dirty="0">
+                <a:solidFill>
+                  <a:schemeClr val="accent1">
+                    <a:lumMod val="50000"/>
+                  </a:schemeClr>
+                </a:solidFill>
+              </a:rPr>
+              <a:t>Part 1</a:t>
+            </a:r>
+            <a:endParaRPr lang="ko-KR" altLang="en-US" sz="1600" b="1" dirty="0">
+              <a:solidFill>
+                <a:schemeClr val="accent1">
+                  <a:lumMod val="50000"/>
+                </a:schemeClr>
+              </a:solidFill>
+            </a:endParaRPr>
+          </a:p>
+        </p:txBody>
+      </p:sp>
+      <p:sp>
+        <p:nvSpPr>
+          <p:cNvPr id="6" name="TextBox 5">
+            <a:extLst>
+              <a:ext uri="{FF2B5EF4-FFF2-40B4-BE49-F238E27FC236}">
+                <a16:creationId xmlns:a16="http://schemas.microsoft.com/office/drawing/2014/main" id="{E9E4E03B-DC2B-4AB1-AA88-841F77488FB8}"/>
+              </a:ext>
+            </a:extLst>
+          </p:cNvPr>
+          <p:cNvSpPr txBox="1"/>
+          <p:nvPr/>
+        </p:nvSpPr>
+        <p:spPr>
+          <a:xfrm flipH="1">
+            <a:off x="1005839" y="174504"/>
+            <a:ext cx="5185235" cy="646331"/>
+          </a:xfrm>
+          <a:prstGeom prst="rect">
+            <a:avLst/>
+          </a:prstGeom>
+          <a:noFill/>
+        </p:spPr>
+        <p:txBody>
+          <a:bodyPr wrap="square" rtlCol="0">
+            <a:spAutoFit/>
+          </a:bodyPr>
+          <a:lstStyle/>
+          <a:p>
+            <a:r>
+              <a:rPr lang="ko-KR" altLang="en-US" sz="3600" b="1">
+                <a:solidFill>
+                  <a:schemeClr val="accent1">
+                    <a:lumMod val="50000"/>
+                  </a:schemeClr>
+                </a:solidFill>
+                <a:latin typeface="나눔스퀘어 ExtraBold" panose="020B0600000101010101" pitchFamily="50" charset="-127"/>
+                <a:ea typeface="나눔스퀘어 ExtraBold" panose="020B0600000101010101" pitchFamily="50" charset="-127"/>
+              </a:rPr>
               <a:t>언더피팅의 진단과 해결책</a:t>
             </a:r>
             <a:endParaRPr lang="ko-KR" altLang="en-US" sz="3600" b="1" dirty="0">
@@ -4435,7 +5360,7 @@
 </p:sld>
 </file>
 
-<file path=ppt/slides/slide4.xml><?xml version="1.0" encoding="utf-8"?>
+<file path=ppt/slides/slide6.xml><?xml version="1.0" encoding="utf-8"?>
 <p:sld xmlns:a="http://schemas.openxmlformats.org/drawingml/2006/main" xmlns:r="http://schemas.openxmlformats.org/officeDocument/2006/relationships" xmlns:p="http://schemas.openxmlformats.org/presentationml/2006/main">
   <p:cSld>
     <p:spTree>
@@ -4823,7 +5748,7 @@
 </p:sld>
 </file>
 
-<file path=ppt/slides/slide5.xml><?xml version="1.0" encoding="utf-8"?>
+<file path=ppt/slides/slide7.xml><?xml version="1.0" encoding="utf-8"?>
 <p:sld xmlns:a="http://schemas.openxmlformats.org/drawingml/2006/main" xmlns:r="http://schemas.openxmlformats.org/officeDocument/2006/relationships" xmlns:p="http://schemas.openxmlformats.org/presentationml/2006/main">
   <p:cSld>
     <p:spTree>
@@ -5372,7 +6297,7 @@
 </p:sld>
 </file>
 
-<file path=ppt/slides/slide6.xml><?xml version="1.0" encoding="utf-8"?>
+<file path=ppt/slides/slide8.xml><?xml version="1.0" encoding="utf-8"?>
 <p:sld xmlns:a="http://schemas.openxmlformats.org/drawingml/2006/main" xmlns:r="http://schemas.openxmlformats.org/officeDocument/2006/relationships" xmlns:p="http://schemas.openxmlformats.org/presentationml/2006/main">
   <p:cSld>
     <p:spTree>
@@ -5926,7 +6851,7 @@
 </p:sld>
 </file>
 
-<file path=ppt/slides/slide7.xml><?xml version="1.0" encoding="utf-8"?>
+<file path=ppt/slides/slide9.xml><?xml version="1.0" encoding="utf-8"?>
 <p:sld xmlns:a="http://schemas.openxmlformats.org/drawingml/2006/main" xmlns:r="http://schemas.openxmlformats.org/officeDocument/2006/relationships" xmlns:p="http://schemas.openxmlformats.org/presentationml/2006/main">
   <p:cSld>
     <p:spTree>
